--- a/Slim_Matt_Template.pptx
+++ b/Slim_Matt_Template.pptx
@@ -2087,7 +2087,7 @@
               <a:rPr lang="en-GB" noProof="1">
                 <a:latin typeface="Aptos" panose="020B0004020202020204" pitchFamily="34" charset="0"/>
               </a:rPr>
-              <a:t>title</a:t>
+              <a:t>Title</a:t>
             </a:r>
             <a:endParaRPr lang="zxx" noProof="1">
               <a:latin typeface="Aptos" panose="020B0004020202020204" pitchFamily="34" charset="0"/>
@@ -2127,7 +2127,7 @@
                 </a:solidFill>
                 <a:latin typeface="Aptos" panose="020B0004020202020204" pitchFamily="34" charset="0"/>
               </a:rPr>
-              <a:t>subtitle</a:t>
+              <a:t>Subtitle</a:t>
             </a:r>
             <a:endParaRPr lang="zxx" noProof="1">
               <a:solidFill>
